--- a/Presentation/ppt 5.pptx
+++ b/Presentation/ppt 5.pptx
@@ -225,7 +225,7 @@
                 <a:latin typeface="Meiryo UI" panose="020B0604030504040204" pitchFamily="50" charset="-128"/>
                 <a:ea typeface="Meiryo UI" panose="020B0604030504040204" pitchFamily="50" charset="-128"/>
               </a:rPr>
-              <a:t>2022/11/29</a:t>
+              <a:t>2022/12/13</a:t>
             </a:fld>
             <a:endParaRPr kumimoji="1" lang="ja-JP" altLang="en-US" dirty="0">
               <a:latin typeface="Meiryo UI" panose="020B0604030504040204" pitchFamily="50" charset="-128"/>
@@ -410,7 +410,7 @@
             <a:fld id="{B07AB95F-E008-4F21-8D4E-E34750D6AE84}" type="datetime1">
               <a:rPr lang="ja-JP" altLang="en-US" smtClean="0"/>
               <a:pPr/>
-              <a:t>2022/11/29</a:t>
+              <a:t>2022/12/13</a:t>
             </a:fld>
             <a:endParaRPr lang="ja-JP" altLang="en-US" dirty="0"/>
           </a:p>
@@ -1146,7 +1146,7 @@
             <a:pPr rtl="0"/>
             <a:fld id="{BED32F2A-1FF8-402F-8BF6-24CDAFCB97CD}" type="datetime1">
               <a:rPr lang="ja-JP" altLang="en-US" noProof="0" smtClean="0"/>
-              <a:t>2022/11/29</a:t>
+              <a:t>2022/12/13</a:t>
             </a:fld>
             <a:endParaRPr lang="ja-JP" altLang="en-US" noProof="0" dirty="0"/>
           </a:p>
@@ -1456,7 +1456,7 @@
             <a:pPr rtl="0"/>
             <a:fld id="{CDB44967-C232-4B29-B0D5-AF2B33F4C243}" type="datetime1">
               <a:rPr lang="ja-JP" altLang="en-US" noProof="0" smtClean="0"/>
-              <a:t>2022/11/29</a:t>
+              <a:t>2022/12/13</a:t>
             </a:fld>
             <a:endParaRPr lang="ja-JP" altLang="en-US" noProof="0" dirty="0"/>
           </a:p>
@@ -1654,7 +1654,7 @@
             <a:pPr rtl="0"/>
             <a:fld id="{923589E8-8D7F-4ADD-96C7-DF27B20E5F67}" type="datetime1">
               <a:rPr lang="ja-JP" altLang="en-US" noProof="0" smtClean="0"/>
-              <a:t>2022/11/29</a:t>
+              <a:t>2022/12/13</a:t>
             </a:fld>
             <a:endParaRPr lang="ja-JP" altLang="en-US" noProof="0" dirty="0"/>
           </a:p>
@@ -1936,7 +1936,7 @@
           <a:p>
             <a:fld id="{05DFCAC1-4519-47A9-9B3C-ACE9953DB739}" type="datetime1">
               <a:rPr lang="ja-JP" altLang="en-US" noProof="0" smtClean="0"/>
-              <a:t>2022/11/29</a:t>
+              <a:t>2022/12/13</a:t>
             </a:fld>
             <a:endParaRPr lang="ja-JP" altLang="en-US" noProof="0" dirty="0"/>
           </a:p>
@@ -2393,7 +2393,7 @@
             <a:pPr rtl="0"/>
             <a:fld id="{665E7119-F629-4623-9483-E82E084BC006}" type="datetime1">
               <a:rPr lang="ja-JP" altLang="en-US" noProof="0" smtClean="0"/>
-              <a:t>2022/11/29</a:t>
+              <a:t>2022/12/13</a:t>
             </a:fld>
             <a:endParaRPr lang="ja-JP" altLang="en-US" noProof="0" dirty="0"/>
           </a:p>
@@ -2934,7 +2934,7 @@
             <a:pPr rtl="0"/>
             <a:fld id="{6314AE7A-496F-4FD2-B2CB-0CCBD0D639BA}" type="datetime1">
               <a:rPr lang="ja-JP" altLang="en-US" noProof="0" smtClean="0"/>
-              <a:t>2022/11/29</a:t>
+              <a:t>2022/12/13</a:t>
             </a:fld>
             <a:endParaRPr lang="ja-JP" altLang="en-US" noProof="0" dirty="0"/>
           </a:p>
@@ -3823,7 +3823,7 @@
             <a:pPr rtl="0"/>
             <a:fld id="{8CF2109E-8914-46D8-8FC4-05BA55489BC5}" type="datetime1">
               <a:rPr lang="ja-JP" altLang="en-US" noProof="0" smtClean="0"/>
-              <a:t>2022/11/29</a:t>
+              <a:t>2022/12/13</a:t>
             </a:fld>
             <a:endParaRPr lang="ja-JP" altLang="en-US" noProof="0" dirty="0"/>
           </a:p>
@@ -4029,7 +4029,7 @@
             <a:pPr rtl="0"/>
             <a:fld id="{F1004C8D-6C76-4892-A136-9C6099763C96}" type="datetime1">
               <a:rPr lang="ja-JP" altLang="en-US" noProof="0" smtClean="0"/>
-              <a:t>2022/11/29</a:t>
+              <a:t>2022/12/13</a:t>
             </a:fld>
             <a:endParaRPr lang="ja-JP" altLang="en-US" noProof="0" dirty="0"/>
           </a:p>
@@ -4277,7 +4277,7 @@
             <a:pPr rtl="0"/>
             <a:fld id="{242A2D7E-FFE8-4444-8A69-4D054D6A7FB1}" type="datetime1">
               <a:rPr lang="ja-JP" altLang="en-US" noProof="0" smtClean="0"/>
-              <a:t>2022/11/29</a:t>
+              <a:t>2022/12/13</a:t>
             </a:fld>
             <a:endParaRPr lang="ja-JP" altLang="en-US" noProof="0" dirty="0"/>
           </a:p>
@@ -4587,7 +4587,7 @@
             <a:pPr rtl="0"/>
             <a:fld id="{E6A15EDF-B1A1-4F5B-B886-5281F007CEC2}" type="datetime1">
               <a:rPr lang="ja-JP" altLang="en-US" noProof="0" smtClean="0"/>
-              <a:t>2022/11/29</a:t>
+              <a:t>2022/12/13</a:t>
             </a:fld>
             <a:endParaRPr lang="ja-JP" altLang="en-US" noProof="0" dirty="0"/>
           </a:p>
@@ -5138,7 +5138,7 @@
             <a:pPr rtl="0"/>
             <a:fld id="{FACBA674-B12E-4A9C-870A-505978E4D347}" type="datetime1">
               <a:rPr lang="ja-JP" altLang="en-US" noProof="0" smtClean="0"/>
-              <a:t>2022/11/29</a:t>
+              <a:t>2022/12/13</a:t>
             </a:fld>
             <a:endParaRPr lang="ja-JP" altLang="en-US" noProof="0" dirty="0"/>
           </a:p>
@@ -5260,7 +5260,7 @@
             <a:pPr rtl="0"/>
             <a:fld id="{510CD04C-9C91-47B9-AD1B-CB5E3C5F2EB7}" type="datetime1">
               <a:rPr lang="ja-JP" altLang="en-US" noProof="0" smtClean="0"/>
-              <a:t>2022/11/29</a:t>
+              <a:t>2022/12/13</a:t>
             </a:fld>
             <a:endParaRPr lang="ja-JP" altLang="en-US" noProof="0" dirty="0"/>
           </a:p>
@@ -5358,7 +5358,7 @@
             <a:pPr rtl="0"/>
             <a:fld id="{9F54A936-8D81-45C6-BA98-389C9C639694}" type="datetime1">
               <a:rPr lang="ja-JP" altLang="en-US" noProof="0" smtClean="0"/>
-              <a:t>2022/11/29</a:t>
+              <a:t>2022/12/13</a:t>
             </a:fld>
             <a:endParaRPr lang="ja-JP" altLang="en-US" noProof="0" dirty="0"/>
           </a:p>
@@ -5649,7 +5649,7 @@
             <a:pPr rtl="0"/>
             <a:fld id="{B9883EF0-5A1D-49BE-9E30-E5F416FD9E02}" type="datetime1">
               <a:rPr lang="ja-JP" altLang="en-US" noProof="0" smtClean="0"/>
-              <a:t>2022/11/29</a:t>
+              <a:t>2022/12/13</a:t>
             </a:fld>
             <a:endParaRPr lang="ja-JP" altLang="en-US" noProof="0" dirty="0"/>
           </a:p>
@@ -5961,7 +5961,7 @@
             <a:pPr rtl="0"/>
             <a:fld id="{10D676E5-1814-49F1-B0B7-1FEF88ACB80D}" type="datetime1">
               <a:rPr lang="ja-JP" altLang="en-US" noProof="0" smtClean="0"/>
-              <a:t>2022/11/29</a:t>
+              <a:t>2022/12/13</a:t>
             </a:fld>
             <a:endParaRPr lang="ja-JP" altLang="en-US" noProof="0" dirty="0"/>
           </a:p>
@@ -6230,7 +6230,7 @@
           <a:p>
             <a:fld id="{86487C1B-3789-46FF-9A5F-B29A0DECFF86}" type="datetime1">
               <a:rPr lang="ja-JP" altLang="en-US" noProof="0" smtClean="0"/>
-              <a:t>2022/11/29</a:t>
+              <a:t>2022/12/13</a:t>
             </a:fld>
             <a:endParaRPr lang="ja-JP" altLang="en-US" noProof="0" dirty="0"/>
           </a:p>
@@ -7153,7 +7153,7 @@
           </a:effectLst>
           <a:extLst>
             <a:ext uri="{91240B29-F687-4f45-9708-019B960494DF}">
-              <a14:hiddenLine xmlns="" xmlns:a14="http://schemas.microsoft.com/office/drawing/2010/main" xmlns:a16="http://schemas.microsoft.com/office/drawing/2014/main" xmlns:p14="http://schemas.microsoft.com/office/powerpoint/2010/main" w="9525">
+              <a14:hiddenLine xmlns:p14="http://schemas.microsoft.com/office/powerpoint/2010/main" xmlns:a16="http://schemas.microsoft.com/office/drawing/2014/main" xmlns:a14="http://schemas.microsoft.com/office/drawing/2010/main" xmlns="" w="9525">
                 <a:solidFill>
                   <a:srgbClr val="000000"/>
                 </a:solidFill>
@@ -7379,8 +7379,8 @@
           </a:p>
         </p:txBody>
       </p:sp>
-      <mc:AlternateContent xmlns:mc="http://schemas.openxmlformats.org/markup-compatibility/2006">
-        <mc:Choice xmlns:a14="http://schemas.microsoft.com/office/drawing/2010/main" Requires="a14">
+      <mc:AlternateContent xmlns:mc="http://schemas.openxmlformats.org/markup-compatibility/2006" xmlns:a14="http://schemas.microsoft.com/office/drawing/2010/main">
+        <mc:Choice Requires="a14">
           <p:sp>
             <p:nvSpPr>
               <p:cNvPr id="3" name="コンテンツ プレースホルダー 2">
@@ -7555,7 +7555,7 @@
             </p:txBody>
           </p:sp>
         </mc:Choice>
-        <mc:Fallback>
+        <mc:Fallback xmlns="">
           <p:sp>
             <p:nvSpPr>
               <p:cNvPr id="3" name="コンテンツ プレースホルダー 2">
@@ -8549,8 +8549,8 @@
           </a:p>
         </p:txBody>
       </p:sp>
-      <mc:AlternateContent xmlns:mc="http://schemas.openxmlformats.org/markup-compatibility/2006">
-        <mc:Choice xmlns:a14="http://schemas.microsoft.com/office/drawing/2010/main" Requires="a14">
+      <mc:AlternateContent xmlns:mc="http://schemas.openxmlformats.org/markup-compatibility/2006" xmlns:a14="http://schemas.microsoft.com/office/drawing/2010/main">
+        <mc:Choice Requires="a14">
           <p:sp>
             <p:nvSpPr>
               <p:cNvPr id="3" name="コンテンツ プレースホルダー 2">
@@ -9087,7 +9087,7 @@
             </p:txBody>
           </p:sp>
         </mc:Choice>
-        <mc:Fallback>
+        <mc:Fallback xmlns="">
           <p:sp>
             <p:nvSpPr>
               <p:cNvPr id="3" name="コンテンツ プレースホルダー 2">
@@ -9186,8 +9186,8 @@
           </a:p>
         </p:txBody>
       </p:sp>
-      <mc:AlternateContent xmlns:mc="http://schemas.openxmlformats.org/markup-compatibility/2006">
-        <mc:Choice xmlns:a14="http://schemas.microsoft.com/office/drawing/2010/main" Requires="a14">
+      <mc:AlternateContent xmlns:mc="http://schemas.openxmlformats.org/markup-compatibility/2006" xmlns:a14="http://schemas.microsoft.com/office/drawing/2010/main">
+        <mc:Choice Requires="a14">
           <p:sp>
             <p:nvSpPr>
               <p:cNvPr id="3" name="コンテンツ プレースホルダー 2">
@@ -9714,7 +9714,7 @@
             </p:txBody>
           </p:sp>
         </mc:Choice>
-        <mc:Fallback>
+        <mc:Fallback xmlns="">
           <p:sp>
             <p:nvSpPr>
               <p:cNvPr id="3" name="コンテンツ プレースホルダー 2">
@@ -9799,6 +9799,66 @@
           </a:extLst>
         </p:spPr>
       </p:pic>
+      <p:sp>
+        <p:nvSpPr>
+          <p:cNvPr id="4" name="テキスト ボックス 3">
+            <a:extLst>
+              <a:ext uri="{FF2B5EF4-FFF2-40B4-BE49-F238E27FC236}">
+                <a16:creationId xmlns:a16="http://schemas.microsoft.com/office/drawing/2014/main" id="{42893CD2-328E-2DB5-33A4-251337387FDC}"/>
+              </a:ext>
+            </a:extLst>
+          </p:cNvPr>
+          <p:cNvSpPr txBox="1"/>
+          <p:nvPr/>
+        </p:nvSpPr>
+        <p:spPr>
+          <a:xfrm>
+            <a:off x="7795260" y="6478904"/>
+            <a:ext cx="4062549" cy="246221"/>
+          </a:xfrm>
+          <a:prstGeom prst="rect">
+            <a:avLst/>
+          </a:prstGeom>
+          <a:noFill/>
+        </p:spPr>
+        <p:txBody>
+          <a:bodyPr wrap="square" rtlCol="0">
+            <a:spAutoFit/>
+          </a:bodyPr>
+          <a:lstStyle/>
+          <a:p>
+            <a:r>
+              <a:rPr kumimoji="1" lang="en-US" altLang="ja-JP" sz="1000" dirty="0"/>
+              <a:t>Image: </a:t>
+            </a:r>
+            <a:r>
+              <a:rPr kumimoji="1" lang="ko-KR" altLang="en-US" sz="1000" dirty="0"/>
+              <a:t>딥 러닝을 이용한 자연어 처리 입문 </a:t>
+            </a:r>
+            <a:r>
+              <a:rPr kumimoji="1" lang="en-US" altLang="ko-KR" sz="1000" dirty="0"/>
+              <a:t>(</a:t>
+            </a:r>
+            <a:r>
+              <a:rPr kumimoji="1" lang="ko-KR" altLang="en-US" sz="1000" dirty="0"/>
+              <a:t>유원준</a:t>
+            </a:r>
+            <a:r>
+              <a:rPr kumimoji="1" lang="en-US" altLang="ko-KR" sz="1000" dirty="0"/>
+              <a:t>/</a:t>
+            </a:r>
+            <a:r>
+              <a:rPr kumimoji="1" lang="ko-KR" altLang="en-US" sz="1000" dirty="0"/>
+              <a:t>안상준 저</a:t>
+            </a:r>
+            <a:r>
+              <a:rPr kumimoji="1" lang="en-US" altLang="ko-KR" sz="1000" dirty="0"/>
+              <a:t>, 2022)</a:t>
+            </a:r>
+            <a:endParaRPr kumimoji="1" lang="ja-JP" altLang="en-US" sz="1000" dirty="0"/>
+          </a:p>
+        </p:txBody>
+      </p:sp>
     </p:spTree>
     <p:extLst>
       <p:ext uri="{BB962C8B-B14F-4D97-AF65-F5344CB8AC3E}">
@@ -10852,8 +10912,8 @@
           </a:p>
         </p:txBody>
       </p:sp>
-      <mc:AlternateContent xmlns:mc="http://schemas.openxmlformats.org/markup-compatibility/2006">
-        <mc:Choice xmlns:a14="http://schemas.microsoft.com/office/drawing/2010/main" Requires="a14">
+      <mc:AlternateContent xmlns:mc="http://schemas.openxmlformats.org/markup-compatibility/2006" xmlns:a14="http://schemas.microsoft.com/office/drawing/2010/main">
+        <mc:Choice Requires="a14">
           <p:sp>
             <p:nvSpPr>
               <p:cNvPr id="3" name="コンテンツ プレースホルダー 2">
@@ -11103,7 +11163,7 @@
             </p:txBody>
           </p:sp>
         </mc:Choice>
-        <mc:Fallback>
+        <mc:Fallback xmlns="">
           <p:sp>
             <p:nvSpPr>
               <p:cNvPr id="3" name="コンテンツ プレースホルダー 2">
@@ -12290,12 +12350,12 @@
 </file>
 
 <file path=customXml/item1.xml><?xml version="1.0" encoding="utf-8"?>
-<?mso-contentType ?>
-<FormTemplates xmlns="http://schemas.microsoft.com/sharepoint/v3/contenttype/forms">
-  <Display>DocumentLibraryForm</Display>
-  <Edit>DocumentLibraryForm</Edit>
-  <New>DocumentLibraryForm</New>
-</FormTemplates>
+<p:properties xmlns:p="http://schemas.microsoft.com/office/2006/metadata/properties" xmlns:xsi="http://www.w3.org/2001/XMLSchema-instance" xmlns:pc="http://schemas.microsoft.com/office/infopath/2007/PartnerControls">
+  <documentManagement>
+    <Status xmlns="71af3243-3dd4-4a8d-8c0d-dd76da1f02a5">Not started</Status>
+    <MediaServiceKeyPoints xmlns="71af3243-3dd4-4a8d-8c0d-dd76da1f02a5" xsi:nil="true"/>
+  </documentManagement>
+</p:properties>
 </file>
 
 <file path=customXml/item2.xml><?xml version="1.0" encoding="utf-8"?>
@@ -12520,18 +12580,20 @@
 </file>
 
 <file path=customXml/item3.xml><?xml version="1.0" encoding="utf-8"?>
-<p:properties xmlns:p="http://schemas.microsoft.com/office/2006/metadata/properties" xmlns:xsi="http://www.w3.org/2001/XMLSchema-instance" xmlns:pc="http://schemas.microsoft.com/office/infopath/2007/PartnerControls">
-  <documentManagement>
-    <Status xmlns="71af3243-3dd4-4a8d-8c0d-dd76da1f02a5">Not started</Status>
-    <MediaServiceKeyPoints xmlns="71af3243-3dd4-4a8d-8c0d-dd76da1f02a5" xsi:nil="true"/>
-  </documentManagement>
-</p:properties>
+<?mso-contentType ?>
+<FormTemplates xmlns="http://schemas.microsoft.com/sharepoint/v3/contenttype/forms">
+  <Display>DocumentLibraryForm</Display>
+  <Edit>DocumentLibraryForm</Edit>
+  <New>DocumentLibraryForm</New>
+</FormTemplates>
 </file>
 
 <file path=customXml/itemProps1.xml><?xml version="1.0" encoding="utf-8"?>
-<ds:datastoreItem xmlns:ds="http://schemas.openxmlformats.org/officeDocument/2006/customXml" ds:itemID="{64B270AB-C138-415C-897E-3C24487DECF1}">
+<ds:datastoreItem xmlns:ds="http://schemas.openxmlformats.org/officeDocument/2006/customXml" ds:itemID="{2C4C00F4-06E9-43E3-AD97-88A857CEFA82}">
   <ds:schemaRefs>
-    <ds:schemaRef ds:uri="http://schemas.microsoft.com/sharepoint/v3/contenttype/forms"/>
+    <ds:schemaRef ds:uri="http://schemas.microsoft.com/office/2006/metadata/properties"/>
+    <ds:schemaRef ds:uri="http://schemas.microsoft.com/office/infopath/2007/PartnerControls"/>
+    <ds:schemaRef ds:uri="71af3243-3dd4-4a8d-8c0d-dd76da1f02a5"/>
   </ds:schemaRefs>
 </ds:datastoreItem>
 </file>
@@ -12556,11 +12618,9 @@
 </file>
 
 <file path=customXml/itemProps3.xml><?xml version="1.0" encoding="utf-8"?>
-<ds:datastoreItem xmlns:ds="http://schemas.openxmlformats.org/officeDocument/2006/customXml" ds:itemID="{2C4C00F4-06E9-43E3-AD97-88A857CEFA82}">
+<ds:datastoreItem xmlns:ds="http://schemas.openxmlformats.org/officeDocument/2006/customXml" ds:itemID="{64B270AB-C138-415C-897E-3C24487DECF1}">
   <ds:schemaRefs>
-    <ds:schemaRef ds:uri="http://schemas.microsoft.com/office/2006/metadata/properties"/>
-    <ds:schemaRef ds:uri="http://schemas.microsoft.com/office/infopath/2007/PartnerControls"/>
-    <ds:schemaRef ds:uri="71af3243-3dd4-4a8d-8c0d-dd76da1f02a5"/>
+    <ds:schemaRef ds:uri="http://schemas.microsoft.com/sharepoint/v3/contenttype/forms"/>
   </ds:schemaRefs>
 </ds:datastoreItem>
 </file>